--- a/Layout.pptx
+++ b/Layout.pptx
@@ -292,7 +292,8 @@
           <a:p>
             <a:fld id="{C43A422B-80D0-4EE9-ACB9-3CC9B3EA23CE}" type="datetimeFigureOut">
               <a:rPr lang="pt-BR" smtClean="0"/>
-              <a:t>28/05/2018</a:t>
+              <a:pPr/>
+              <a:t>02/06/2018</a:t>
             </a:fld>
             <a:endParaRPr lang="pt-BR"/>
           </a:p>
@@ -334,6 +335,7 @@
           <a:p>
             <a:fld id="{BC32D478-59B2-42F4-A3B2-1385185E60ED}" type="slidenum">
               <a:rPr lang="pt-BR" smtClean="0"/>
+              <a:pPr/>
               <a:t>‹nº›</a:t>
             </a:fld>
             <a:endParaRPr lang="pt-BR"/>
@@ -457,7 +459,8 @@
           <a:p>
             <a:fld id="{C43A422B-80D0-4EE9-ACB9-3CC9B3EA23CE}" type="datetimeFigureOut">
               <a:rPr lang="pt-BR" smtClean="0"/>
-              <a:t>28/05/2018</a:t>
+              <a:pPr/>
+              <a:t>02/06/2018</a:t>
             </a:fld>
             <a:endParaRPr lang="pt-BR"/>
           </a:p>
@@ -499,6 +502,7 @@
           <a:p>
             <a:fld id="{BC32D478-59B2-42F4-A3B2-1385185E60ED}" type="slidenum">
               <a:rPr lang="pt-BR" smtClean="0"/>
+              <a:pPr/>
               <a:t>‹nº›</a:t>
             </a:fld>
             <a:endParaRPr lang="pt-BR"/>
@@ -632,7 +636,8 @@
           <a:p>
             <a:fld id="{C43A422B-80D0-4EE9-ACB9-3CC9B3EA23CE}" type="datetimeFigureOut">
               <a:rPr lang="pt-BR" smtClean="0"/>
-              <a:t>28/05/2018</a:t>
+              <a:pPr/>
+              <a:t>02/06/2018</a:t>
             </a:fld>
             <a:endParaRPr lang="pt-BR"/>
           </a:p>
@@ -674,6 +679,7 @@
           <a:p>
             <a:fld id="{BC32D478-59B2-42F4-A3B2-1385185E60ED}" type="slidenum">
               <a:rPr lang="pt-BR" smtClean="0"/>
+              <a:pPr/>
               <a:t>‹nº›</a:t>
             </a:fld>
             <a:endParaRPr lang="pt-BR"/>
@@ -797,7 +803,8 @@
           <a:p>
             <a:fld id="{C43A422B-80D0-4EE9-ACB9-3CC9B3EA23CE}" type="datetimeFigureOut">
               <a:rPr lang="pt-BR" smtClean="0"/>
-              <a:t>28/05/2018</a:t>
+              <a:pPr/>
+              <a:t>02/06/2018</a:t>
             </a:fld>
             <a:endParaRPr lang="pt-BR"/>
           </a:p>
@@ -839,6 +846,7 @@
           <a:p>
             <a:fld id="{BC32D478-59B2-42F4-A3B2-1385185E60ED}" type="slidenum">
               <a:rPr lang="pt-BR" smtClean="0"/>
+              <a:pPr/>
               <a:t>‹nº›</a:t>
             </a:fld>
             <a:endParaRPr lang="pt-BR"/>
@@ -1038,7 +1046,8 @@
           <a:p>
             <a:fld id="{C43A422B-80D0-4EE9-ACB9-3CC9B3EA23CE}" type="datetimeFigureOut">
               <a:rPr lang="pt-BR" smtClean="0"/>
-              <a:t>28/05/2018</a:t>
+              <a:pPr/>
+              <a:t>02/06/2018</a:t>
             </a:fld>
             <a:endParaRPr lang="pt-BR"/>
           </a:p>
@@ -1080,6 +1089,7 @@
           <a:p>
             <a:fld id="{BC32D478-59B2-42F4-A3B2-1385185E60ED}" type="slidenum">
               <a:rPr lang="pt-BR" smtClean="0"/>
+              <a:pPr/>
               <a:t>‹nº›</a:t>
             </a:fld>
             <a:endParaRPr lang="pt-BR"/>
@@ -1321,7 +1331,8 @@
           <a:p>
             <a:fld id="{C43A422B-80D0-4EE9-ACB9-3CC9B3EA23CE}" type="datetimeFigureOut">
               <a:rPr lang="pt-BR" smtClean="0"/>
-              <a:t>28/05/2018</a:t>
+              <a:pPr/>
+              <a:t>02/06/2018</a:t>
             </a:fld>
             <a:endParaRPr lang="pt-BR"/>
           </a:p>
@@ -1363,6 +1374,7 @@
           <a:p>
             <a:fld id="{BC32D478-59B2-42F4-A3B2-1385185E60ED}" type="slidenum">
               <a:rPr lang="pt-BR" smtClean="0"/>
+              <a:pPr/>
               <a:t>‹nº›</a:t>
             </a:fld>
             <a:endParaRPr lang="pt-BR"/>
@@ -1738,7 +1750,8 @@
           <a:p>
             <a:fld id="{C43A422B-80D0-4EE9-ACB9-3CC9B3EA23CE}" type="datetimeFigureOut">
               <a:rPr lang="pt-BR" smtClean="0"/>
-              <a:t>28/05/2018</a:t>
+              <a:pPr/>
+              <a:t>02/06/2018</a:t>
             </a:fld>
             <a:endParaRPr lang="pt-BR"/>
           </a:p>
@@ -1780,6 +1793,7 @@
           <a:p>
             <a:fld id="{BC32D478-59B2-42F4-A3B2-1385185E60ED}" type="slidenum">
               <a:rPr lang="pt-BR" smtClean="0"/>
+              <a:pPr/>
               <a:t>‹nº›</a:t>
             </a:fld>
             <a:endParaRPr lang="pt-BR"/>
@@ -1851,7 +1865,8 @@
           <a:p>
             <a:fld id="{C43A422B-80D0-4EE9-ACB9-3CC9B3EA23CE}" type="datetimeFigureOut">
               <a:rPr lang="pt-BR" smtClean="0"/>
-              <a:t>28/05/2018</a:t>
+              <a:pPr/>
+              <a:t>02/06/2018</a:t>
             </a:fld>
             <a:endParaRPr lang="pt-BR"/>
           </a:p>
@@ -1893,6 +1908,7 @@
           <a:p>
             <a:fld id="{BC32D478-59B2-42F4-A3B2-1385185E60ED}" type="slidenum">
               <a:rPr lang="pt-BR" smtClean="0"/>
+              <a:pPr/>
               <a:t>‹nº›</a:t>
             </a:fld>
             <a:endParaRPr lang="pt-BR"/>
@@ -1941,7 +1957,8 @@
           <a:p>
             <a:fld id="{C43A422B-80D0-4EE9-ACB9-3CC9B3EA23CE}" type="datetimeFigureOut">
               <a:rPr lang="pt-BR" smtClean="0"/>
-              <a:t>28/05/2018</a:t>
+              <a:pPr/>
+              <a:t>02/06/2018</a:t>
             </a:fld>
             <a:endParaRPr lang="pt-BR"/>
           </a:p>
@@ -1983,6 +2000,7 @@
           <a:p>
             <a:fld id="{BC32D478-59B2-42F4-A3B2-1385185E60ED}" type="slidenum">
               <a:rPr lang="pt-BR" smtClean="0"/>
+              <a:pPr/>
               <a:t>‹nº›</a:t>
             </a:fld>
             <a:endParaRPr lang="pt-BR"/>
@@ -2213,7 +2231,8 @@
           <a:p>
             <a:fld id="{C43A422B-80D0-4EE9-ACB9-3CC9B3EA23CE}" type="datetimeFigureOut">
               <a:rPr lang="pt-BR" smtClean="0"/>
-              <a:t>28/05/2018</a:t>
+              <a:pPr/>
+              <a:t>02/06/2018</a:t>
             </a:fld>
             <a:endParaRPr lang="pt-BR"/>
           </a:p>
@@ -2255,6 +2274,7 @@
           <a:p>
             <a:fld id="{BC32D478-59B2-42F4-A3B2-1385185E60ED}" type="slidenum">
               <a:rPr lang="pt-BR" smtClean="0"/>
+              <a:pPr/>
               <a:t>‹nº›</a:t>
             </a:fld>
             <a:endParaRPr lang="pt-BR"/>
@@ -2461,7 +2481,8 @@
           <a:p>
             <a:fld id="{C43A422B-80D0-4EE9-ACB9-3CC9B3EA23CE}" type="datetimeFigureOut">
               <a:rPr lang="pt-BR" smtClean="0"/>
-              <a:t>28/05/2018</a:t>
+              <a:pPr/>
+              <a:t>02/06/2018</a:t>
             </a:fld>
             <a:endParaRPr lang="pt-BR"/>
           </a:p>
@@ -2503,6 +2524,7 @@
           <a:p>
             <a:fld id="{BC32D478-59B2-42F4-A3B2-1385185E60ED}" type="slidenum">
               <a:rPr lang="pt-BR" smtClean="0"/>
+              <a:pPr/>
               <a:t>‹nº›</a:t>
             </a:fld>
             <a:endParaRPr lang="pt-BR"/>
@@ -2675,7 +2697,8 @@
           <a:p>
             <a:fld id="{C43A422B-80D0-4EE9-ACB9-3CC9B3EA23CE}" type="datetimeFigureOut">
               <a:rPr lang="pt-BR" smtClean="0"/>
-              <a:t>28/05/2018</a:t>
+              <a:pPr/>
+              <a:t>02/06/2018</a:t>
             </a:fld>
             <a:endParaRPr lang="pt-BR"/>
           </a:p>
@@ -2753,6 +2776,7 @@
           <a:p>
             <a:fld id="{BC32D478-59B2-42F4-A3B2-1385185E60ED}" type="slidenum">
               <a:rPr lang="pt-BR" smtClean="0"/>
+              <a:pPr/>
               <a:t>‹nº›</a:t>
             </a:fld>
             <a:endParaRPr lang="pt-BR"/>
@@ -3177,7 +3201,7 @@
           <p:nvPr/>
         </p:nvPicPr>
         <p:blipFill>
-          <a:blip r:embed="rId3"/>
+          <a:blip r:embed="rId3" cstate="print"/>
           <a:stretch>
             <a:fillRect/>
           </a:stretch>
@@ -3426,7 +3450,7 @@
                   <a:schemeClr val="tx1"/>
                 </a:solidFill>
               </a:rPr>
-              <a:t>Vendas</a:t>
+              <a:t>Reservas</a:t>
             </a:r>
             <a:endParaRPr lang="pt-BR" dirty="0">
               <a:solidFill>
@@ -5425,7 +5449,15 @@
                   <a:schemeClr val="tx1"/>
                 </a:solidFill>
               </a:rPr>
-              <a:t>http://www.pantanal.turismo.br/Principal.html</a:t>
+              <a:t>http://</a:t>
+            </a:r>
+            <a:r>
+              <a:rPr lang="pt-BR" dirty="0" smtClean="0">
+                <a:solidFill>
+                  <a:schemeClr val="tx1"/>
+                </a:solidFill>
+              </a:rPr>
+              <a:t>www.pantanal.turismo.br/Reservas.html</a:t>
             </a:r>
             <a:endParaRPr lang="pt-BR" dirty="0">
               <a:solidFill>
@@ -5446,7 +5478,7 @@
           <p:nvPr/>
         </p:nvPicPr>
         <p:blipFill>
-          <a:blip r:embed="rId3"/>
+          <a:blip r:embed="rId3" cstate="print"/>
           <a:stretch>
             <a:fillRect/>
           </a:stretch>
@@ -6075,7 +6107,15 @@
                   <a:schemeClr val="tx1"/>
                 </a:solidFill>
               </a:rPr>
-              <a:t>http://www.pantanal.turismo.br/Principal.html</a:t>
+              <a:t>http://</a:t>
+            </a:r>
+            <a:r>
+              <a:rPr lang="pt-BR" dirty="0" smtClean="0">
+                <a:solidFill>
+                  <a:schemeClr val="tx1"/>
+                </a:solidFill>
+              </a:rPr>
+              <a:t>www.pantanal.turismo.br/Produtoseservicos.html</a:t>
             </a:r>
             <a:endParaRPr lang="pt-BR" dirty="0">
               <a:solidFill>
@@ -6096,7 +6136,7 @@
           <p:nvPr/>
         </p:nvPicPr>
         <p:blipFill>
-          <a:blip r:embed="rId3"/>
+          <a:blip r:embed="rId3" cstate="print"/>
           <a:stretch>
             <a:fillRect/>
           </a:stretch>
@@ -7111,7 +7151,15 @@
                   <a:schemeClr val="tx1"/>
                 </a:solidFill>
               </a:rPr>
-              <a:t>http://www.pantanal.turismo.br/Principal.html</a:t>
+              <a:t>http://</a:t>
+            </a:r>
+            <a:r>
+              <a:rPr lang="pt-BR" dirty="0" smtClean="0">
+                <a:solidFill>
+                  <a:schemeClr val="tx1"/>
+                </a:solidFill>
+              </a:rPr>
+              <a:t>www.pantanal.turismo.br/Contato.html</a:t>
             </a:r>
             <a:endParaRPr lang="pt-BR" dirty="0">
               <a:solidFill>
@@ -7132,7 +7180,7 @@
           <p:nvPr/>
         </p:nvPicPr>
         <p:blipFill>
-          <a:blip r:embed="rId3"/>
+          <a:blip r:embed="rId3" cstate="print"/>
           <a:stretch>
             <a:fillRect/>
           </a:stretch>
@@ -8290,7 +8338,15 @@
                   <a:schemeClr val="tx1"/>
                 </a:solidFill>
               </a:rPr>
-              <a:t>http://www.pantanal.turismo.br/Principal.html</a:t>
+              <a:t>http://</a:t>
+            </a:r>
+            <a:r>
+              <a:rPr lang="pt-BR" dirty="0" smtClean="0">
+                <a:solidFill>
+                  <a:schemeClr val="tx1"/>
+                </a:solidFill>
+              </a:rPr>
+              <a:t>www.pantanal.turismo.br/Sobre.html</a:t>
             </a:r>
             <a:endParaRPr lang="pt-BR" dirty="0">
               <a:solidFill>
@@ -8311,7 +8367,7 @@
           <p:nvPr/>
         </p:nvPicPr>
         <p:blipFill>
-          <a:blip r:embed="rId3"/>
+          <a:blip r:embed="rId3" cstate="print"/>
           <a:stretch>
             <a:fillRect/>
           </a:stretch>
@@ -8768,7 +8824,7 @@
           <p:nvPr/>
         </p:nvPicPr>
         <p:blipFill>
-          <a:blip r:embed="rId8"/>
+          <a:blip r:embed="rId8" cstate="print"/>
           <a:stretch>
             <a:fillRect/>
           </a:stretch>
@@ -8797,7 +8853,7 @@
           <p:nvPr/>
         </p:nvPicPr>
         <p:blipFill>
-          <a:blip r:embed="rId9"/>
+          <a:blip r:embed="rId9" cstate="print"/>
           <a:stretch>
             <a:fillRect/>
           </a:stretch>

--- a/Layout.pptx
+++ b/Layout.pptx
@@ -293,7 +293,7 @@
             <a:fld id="{C43A422B-80D0-4EE9-ACB9-3CC9B3EA23CE}" type="datetimeFigureOut">
               <a:rPr lang="pt-BR" smtClean="0"/>
               <a:pPr/>
-              <a:t>02/06/2018</a:t>
+              <a:t>08/06/2018</a:t>
             </a:fld>
             <a:endParaRPr lang="pt-BR"/>
           </a:p>
@@ -460,7 +460,7 @@
             <a:fld id="{C43A422B-80D0-4EE9-ACB9-3CC9B3EA23CE}" type="datetimeFigureOut">
               <a:rPr lang="pt-BR" smtClean="0"/>
               <a:pPr/>
-              <a:t>02/06/2018</a:t>
+              <a:t>08/06/2018</a:t>
             </a:fld>
             <a:endParaRPr lang="pt-BR"/>
           </a:p>
@@ -637,7 +637,7 @@
             <a:fld id="{C43A422B-80D0-4EE9-ACB9-3CC9B3EA23CE}" type="datetimeFigureOut">
               <a:rPr lang="pt-BR" smtClean="0"/>
               <a:pPr/>
-              <a:t>02/06/2018</a:t>
+              <a:t>08/06/2018</a:t>
             </a:fld>
             <a:endParaRPr lang="pt-BR"/>
           </a:p>
@@ -804,7 +804,7 @@
             <a:fld id="{C43A422B-80D0-4EE9-ACB9-3CC9B3EA23CE}" type="datetimeFigureOut">
               <a:rPr lang="pt-BR" smtClean="0"/>
               <a:pPr/>
-              <a:t>02/06/2018</a:t>
+              <a:t>08/06/2018</a:t>
             </a:fld>
             <a:endParaRPr lang="pt-BR"/>
           </a:p>
@@ -1047,7 +1047,7 @@
             <a:fld id="{C43A422B-80D0-4EE9-ACB9-3CC9B3EA23CE}" type="datetimeFigureOut">
               <a:rPr lang="pt-BR" smtClean="0"/>
               <a:pPr/>
-              <a:t>02/06/2018</a:t>
+              <a:t>08/06/2018</a:t>
             </a:fld>
             <a:endParaRPr lang="pt-BR"/>
           </a:p>
@@ -1332,7 +1332,7 @@
             <a:fld id="{C43A422B-80D0-4EE9-ACB9-3CC9B3EA23CE}" type="datetimeFigureOut">
               <a:rPr lang="pt-BR" smtClean="0"/>
               <a:pPr/>
-              <a:t>02/06/2018</a:t>
+              <a:t>08/06/2018</a:t>
             </a:fld>
             <a:endParaRPr lang="pt-BR"/>
           </a:p>
@@ -1751,7 +1751,7 @@
             <a:fld id="{C43A422B-80D0-4EE9-ACB9-3CC9B3EA23CE}" type="datetimeFigureOut">
               <a:rPr lang="pt-BR" smtClean="0"/>
               <a:pPr/>
-              <a:t>02/06/2018</a:t>
+              <a:t>08/06/2018</a:t>
             </a:fld>
             <a:endParaRPr lang="pt-BR"/>
           </a:p>
@@ -1866,7 +1866,7 @@
             <a:fld id="{C43A422B-80D0-4EE9-ACB9-3CC9B3EA23CE}" type="datetimeFigureOut">
               <a:rPr lang="pt-BR" smtClean="0"/>
               <a:pPr/>
-              <a:t>02/06/2018</a:t>
+              <a:t>08/06/2018</a:t>
             </a:fld>
             <a:endParaRPr lang="pt-BR"/>
           </a:p>
@@ -1958,7 +1958,7 @@
             <a:fld id="{C43A422B-80D0-4EE9-ACB9-3CC9B3EA23CE}" type="datetimeFigureOut">
               <a:rPr lang="pt-BR" smtClean="0"/>
               <a:pPr/>
-              <a:t>02/06/2018</a:t>
+              <a:t>08/06/2018</a:t>
             </a:fld>
             <a:endParaRPr lang="pt-BR"/>
           </a:p>
@@ -2232,7 +2232,7 @@
             <a:fld id="{C43A422B-80D0-4EE9-ACB9-3CC9B3EA23CE}" type="datetimeFigureOut">
               <a:rPr lang="pt-BR" smtClean="0"/>
               <a:pPr/>
-              <a:t>02/06/2018</a:t>
+              <a:t>08/06/2018</a:t>
             </a:fld>
             <a:endParaRPr lang="pt-BR"/>
           </a:p>
@@ -2482,7 +2482,7 @@
             <a:fld id="{C43A422B-80D0-4EE9-ACB9-3CC9B3EA23CE}" type="datetimeFigureOut">
               <a:rPr lang="pt-BR" smtClean="0"/>
               <a:pPr/>
-              <a:t>02/06/2018</a:t>
+              <a:t>08/06/2018</a:t>
             </a:fld>
             <a:endParaRPr lang="pt-BR"/>
           </a:p>
@@ -2698,7 +2698,7 @@
             <a:fld id="{C43A422B-80D0-4EE9-ACB9-3CC9B3EA23CE}" type="datetimeFigureOut">
               <a:rPr lang="pt-BR" smtClean="0"/>
               <a:pPr/>
-              <a:t>02/06/2018</a:t>
+              <a:t>08/06/2018</a:t>
             </a:fld>
             <a:endParaRPr lang="pt-BR"/>
           </a:p>
@@ -3229,8 +3229,8 @@
         </p:nvSpPr>
         <p:spPr>
           <a:xfrm>
-            <a:off x="-32" y="6143644"/>
-            <a:ext cx="9144000" cy="714380"/>
+            <a:off x="-32" y="6597352"/>
+            <a:ext cx="9144000" cy="260672"/>
           </a:xfrm>
           <a:prstGeom prst="roundRect">
             <a:avLst/>
@@ -5449,15 +5449,7 @@
                   <a:schemeClr val="tx1"/>
                 </a:solidFill>
               </a:rPr>
-              <a:t>http://</a:t>
-            </a:r>
-            <a:r>
-              <a:rPr lang="pt-BR" dirty="0" smtClean="0">
-                <a:solidFill>
-                  <a:schemeClr val="tx1"/>
-                </a:solidFill>
-              </a:rPr>
-              <a:t>www.pantanal.turismo.br/Reservas.html</a:t>
+              <a:t>http://www.pantanal.turismo.br/Reservas.html</a:t>
             </a:r>
             <a:endParaRPr lang="pt-BR" dirty="0">
               <a:solidFill>
@@ -5506,8 +5498,8 @@
         </p:nvSpPr>
         <p:spPr>
           <a:xfrm>
-            <a:off x="-32" y="6143644"/>
-            <a:ext cx="9144000" cy="714380"/>
+            <a:off x="-32" y="6597352"/>
+            <a:ext cx="9144000" cy="260672"/>
           </a:xfrm>
           <a:prstGeom prst="roundRect">
             <a:avLst/>
@@ -6107,15 +6099,7 @@
                   <a:schemeClr val="tx1"/>
                 </a:solidFill>
               </a:rPr>
-              <a:t>http://</a:t>
-            </a:r>
-            <a:r>
-              <a:rPr lang="pt-BR" dirty="0" smtClean="0">
-                <a:solidFill>
-                  <a:schemeClr val="tx1"/>
-                </a:solidFill>
-              </a:rPr>
-              <a:t>www.pantanal.turismo.br/Produtoseservicos.html</a:t>
+              <a:t>http://www.pantanal.turismo.br/Produtoseservicos.html</a:t>
             </a:r>
             <a:endParaRPr lang="pt-BR" dirty="0">
               <a:solidFill>
@@ -6164,8 +6148,8 @@
         </p:nvSpPr>
         <p:spPr>
           <a:xfrm>
-            <a:off x="-32" y="6143644"/>
-            <a:ext cx="9144000" cy="714380"/>
+            <a:off x="-32" y="6597352"/>
+            <a:ext cx="9144000" cy="260672"/>
           </a:xfrm>
           <a:prstGeom prst="roundRect">
             <a:avLst/>
@@ -7151,15 +7135,7 @@
                   <a:schemeClr val="tx1"/>
                 </a:solidFill>
               </a:rPr>
-              <a:t>http://</a:t>
-            </a:r>
-            <a:r>
-              <a:rPr lang="pt-BR" dirty="0" smtClean="0">
-                <a:solidFill>
-                  <a:schemeClr val="tx1"/>
-                </a:solidFill>
-              </a:rPr>
-              <a:t>www.pantanal.turismo.br/Contato.html</a:t>
+              <a:t>http://www.pantanal.turismo.br/Contato.html</a:t>
             </a:r>
             <a:endParaRPr lang="pt-BR" dirty="0">
               <a:solidFill>
@@ -7208,8 +7184,8 @@
         </p:nvSpPr>
         <p:spPr>
           <a:xfrm>
-            <a:off x="-32" y="6143644"/>
-            <a:ext cx="9144000" cy="714380"/>
+            <a:off x="-32" y="6597352"/>
+            <a:ext cx="9144000" cy="260672"/>
           </a:xfrm>
           <a:prstGeom prst="roundRect">
             <a:avLst/>
@@ -7429,7 +7405,7 @@
                   <a:schemeClr val="tx1"/>
                 </a:solidFill>
               </a:rPr>
-              <a:t>Vendas</a:t>
+              <a:t>Reservas</a:t>
             </a:r>
             <a:endParaRPr lang="pt-BR" dirty="0">
               <a:solidFill>
@@ -8338,15 +8314,7 @@
                   <a:schemeClr val="tx1"/>
                 </a:solidFill>
               </a:rPr>
-              <a:t>http://</a:t>
-            </a:r>
-            <a:r>
-              <a:rPr lang="pt-BR" dirty="0" smtClean="0">
-                <a:solidFill>
-                  <a:schemeClr val="tx1"/>
-                </a:solidFill>
-              </a:rPr>
-              <a:t>www.pantanal.turismo.br/Sobre.html</a:t>
+              <a:t>http://www.pantanal.turismo.br/Sobre.html</a:t>
             </a:r>
             <a:endParaRPr lang="pt-BR" dirty="0">
               <a:solidFill>
@@ -8395,8 +8363,8 @@
         </p:nvSpPr>
         <p:spPr>
           <a:xfrm>
-            <a:off x="-32" y="6143644"/>
-            <a:ext cx="9144000" cy="714380"/>
+            <a:off x="-32" y="6597352"/>
+            <a:ext cx="9144000" cy="260672"/>
           </a:xfrm>
           <a:prstGeom prst="roundRect">
             <a:avLst/>
@@ -8616,7 +8584,7 @@
                   <a:schemeClr val="tx1"/>
                 </a:solidFill>
               </a:rPr>
-              <a:t>Vendas</a:t>
+              <a:t>Reservas</a:t>
             </a:r>
             <a:endParaRPr lang="pt-BR" dirty="0">
               <a:solidFill>
